--- a/exam power point.pptx
+++ b/exam power point.pptx
@@ -900,7 +900,7 @@
                 <a:srgbClr val="002060"/>
               </a:solidFill>
             </a:rPr>
-            <a:t>word</a:t>
+            <a:t>Word</a:t>
           </a:r>
           <a:endParaRPr lang="en-US" sz="2400" i="1" strike="sngStrike" dirty="0">
             <a:solidFill>
@@ -1003,14 +1003,14 @@
         <a:lstStyle/>
         <a:p>
           <a:r>
-            <a:rPr lang="en-US" sz="2400" i="1" dirty="0" smtClean="0">
+            <a:rPr lang="en-US" sz="2000" i="1" dirty="0" smtClean="0">
               <a:solidFill>
                 <a:srgbClr val="002060"/>
               </a:solidFill>
             </a:rPr>
             <a:t>Power point</a:t>
           </a:r>
-          <a:endParaRPr lang="en-US" sz="2400" i="1" dirty="0">
+          <a:endParaRPr lang="en-US" sz="2000" i="1" dirty="0">
             <a:solidFill>
               <a:srgbClr val="002060"/>
             </a:solidFill>
@@ -1214,7 +1214,7 @@
                 <a:srgbClr val="002060"/>
               </a:solidFill>
             </a:rPr>
-            <a:t>word</a:t>
+            <a:t>Word</a:t>
           </a:r>
           <a:endParaRPr lang="en-US" sz="2400" i="1" strike="sngStrike" kern="1200" dirty="0">
             <a:solidFill>
@@ -1344,12 +1344,12 @@
         </a:fontRef>
       </dsp:style>
       <dsp:txBody>
-        <a:bodyPr spcFirstLastPara="0" vert="horz" wrap="square" lIns="152400" tIns="0" rIns="152400" bIns="0" numCol="1" spcCol="1270" anchor="ctr" anchorCtr="0">
+        <a:bodyPr spcFirstLastPara="0" vert="horz" wrap="square" lIns="127000" tIns="0" rIns="127000" bIns="0" numCol="1" spcCol="1270" anchor="ctr" anchorCtr="0">
           <a:noAutofit/>
         </a:bodyPr>
         <a:lstStyle/>
         <a:p>
-          <a:pPr lvl="0" algn="ctr" defTabSz="1066800">
+          <a:pPr lvl="0" algn="ctr" defTabSz="889000">
             <a:lnSpc>
               <a:spcPct val="90000"/>
             </a:lnSpc>
@@ -1361,14 +1361,14 @@
             </a:spcAft>
           </a:pPr>
           <a:r>
-            <a:rPr lang="en-US" sz="2400" i="1" kern="1200" dirty="0" smtClean="0">
+            <a:rPr lang="en-US" sz="2000" i="1" kern="1200" dirty="0" smtClean="0">
               <a:solidFill>
                 <a:srgbClr val="002060"/>
               </a:solidFill>
             </a:rPr>
             <a:t>Power point</a:t>
           </a:r>
-          <a:endParaRPr lang="en-US" sz="2400" i="1" kern="1200" dirty="0">
+          <a:endParaRPr lang="en-US" sz="2000" i="1" kern="1200" dirty="0">
             <a:solidFill>
               <a:srgbClr val="002060"/>
             </a:solidFill>
@@ -2672,7 +2672,7 @@
           <a:p>
             <a:fld id="{BEA05DB1-F650-4777-8B24-0EAE51E4190C}" type="datetimeFigureOut">
               <a:rPr lang="en-US" smtClean="0"/>
-              <a:t>5/24/2022</a:t>
+              <a:t>5/25/2022</a:t>
             </a:fld>
             <a:endParaRPr lang="en-US"/>
           </a:p>
@@ -5953,20 +5953,12 @@
           <a:lstStyle/>
           <a:p>
             <a:r>
-              <a:rPr lang="en-US" dirty="0">
-                <a:solidFill>
-                  <a:srgbClr val="7030A0"/>
-                </a:solidFill>
-              </a:rPr>
-              <a:t>c</a:t>
-            </a:r>
-            <a:r>
               <a:rPr lang="en-US" dirty="0" smtClean="0">
                 <a:solidFill>
                   <a:srgbClr val="7030A0"/>
                 </a:solidFill>
               </a:rPr>
-              <a:t>sci200 Exam Power point</a:t>
+              <a:t>CSCI200 Exam Power Point</a:t>
             </a:r>
           </a:p>
           <a:p>
@@ -5994,7 +5986,7 @@
         </p:nvSpPr>
         <p:spPr>
           <a:xfrm>
-            <a:off x="3237088" y="101600"/>
+            <a:off x="3597696" y="190145"/>
             <a:ext cx="3931355" cy="417689"/>
           </a:xfrm>
           <a:prstGeom prst="rect">
@@ -6037,12 +6029,20 @@
               <a:t>Lebanese International </a:t>
             </a:r>
             <a:r>
+              <a:rPr lang="en-US" dirty="0" err="1">
+                <a:solidFill>
+                  <a:srgbClr val="7030A0"/>
+                </a:solidFill>
+              </a:rPr>
+              <a:t>U</a:t>
+            </a:r>
+            <a:r>
               <a:rPr lang="en-US" dirty="0" err="1" smtClean="0">
                 <a:solidFill>
                   <a:srgbClr val="7030A0"/>
                 </a:solidFill>
               </a:rPr>
-              <a:t>univeristy</a:t>
+              <a:t>niveristy</a:t>
             </a:r>
             <a:endParaRPr lang="en-US" dirty="0">
               <a:solidFill>
@@ -6376,12 +6376,20 @@
           <a:p>
             <a:pPr algn="ctr"/>
             <a:r>
+              <a:rPr lang="en-US" sz="5400" b="1" i="1" u="sng" dirty="0">
+                <a:solidFill>
+                  <a:srgbClr val="92D050"/>
+                </a:solidFill>
+              </a:rPr>
+              <a:t>C</a:t>
+            </a:r>
+            <a:r>
               <a:rPr lang="en-US" sz="5400" b="1" i="1" u="sng" dirty="0" smtClean="0">
                 <a:solidFill>
                   <a:srgbClr val="92D050"/>
                 </a:solidFill>
               </a:rPr>
-              <a:t>courses</a:t>
+              <a:t>ourses</a:t>
             </a:r>
             <a:endParaRPr lang="en-US" sz="5400" b="1" i="1" u="sng" dirty="0">
               <a:solidFill>
@@ -6402,7 +6410,7 @@
           </p:nvPr>
         </p:nvSpPr>
         <p:spPr>
-          <a:ln w="12700">
+          <a:ln w="19050">
             <a:solidFill>
               <a:srgbClr val="0070C0"/>
             </a:solidFill>
@@ -6474,7 +6482,7 @@
             </a:r>
             <a:r>
               <a:rPr lang="en-US" sz="2400" dirty="0" smtClean="0"/>
-              <a:t> chart</a:t>
+              <a:t> Chart</a:t>
             </a:r>
           </a:p>
           <a:p>
@@ -6483,13 +6491,14 @@
               <a:buChar char="q"/>
             </a:pPr>
             <a:r>
-              <a:rPr lang="en-US" sz="2400" dirty="0"/>
+              <a:rPr lang="en-US" sz="2400"/>
               <a:t> </a:t>
             </a:r>
             <a:r>
-              <a:rPr lang="en-US" sz="2400" dirty="0" smtClean="0"/>
-              <a:t>  formulas</a:t>
-            </a:r>
+              <a:rPr lang="en-US" sz="2400" smtClean="0"/>
+              <a:t>  Formulas</a:t>
+            </a:r>
+            <a:endParaRPr lang="en-US" sz="2400" dirty="0" smtClean="0"/>
           </a:p>
           <a:p>
             <a:pPr marL="0" indent="0">
@@ -6501,13 +6510,8 @@
             </a:r>
             <a:r>
               <a:rPr lang="en-US" sz="2400" dirty="0" smtClean="0"/>
-              <a:t> </a:t>
-            </a:r>
-            <a:r>
-              <a:rPr lang="en-US" sz="2400" dirty="0" err="1" smtClean="0"/>
-              <a:t>pOINT</a:t>
-            </a:r>
-            <a:endParaRPr lang="en-US" sz="2400" dirty="0" smtClean="0"/>
+              <a:t> Point</a:t>
+            </a:r>
           </a:p>
           <a:p>
             <a:pPr>
@@ -6515,12 +6519,8 @@
               <a:buChar char="v"/>
             </a:pPr>
             <a:r>
-              <a:rPr lang="en-US" sz="2400" dirty="0"/>
-              <a:t> </a:t>
-            </a:r>
-            <a:r>
               <a:rPr lang="en-US" sz="2400" dirty="0" smtClean="0"/>
-              <a:t>    Design</a:t>
+              <a:t>Design</a:t>
             </a:r>
           </a:p>
           <a:p>
@@ -6534,7 +6534,7 @@
             </a:r>
             <a:r>
               <a:rPr lang="en-US" sz="2400" dirty="0" smtClean="0"/>
-              <a:t>    Transitions</a:t>
+              <a:t>Transitions</a:t>
             </a:r>
           </a:p>
           <a:p>
@@ -6544,9 +6544,8 @@
             </a:pPr>
             <a:r>
               <a:rPr lang="en-US" sz="2400" dirty="0" smtClean="0"/>
-              <a:t>     animations</a:t>
-            </a:r>
-            <a:endParaRPr lang="en-US" sz="2400" dirty="0"/>
+              <a:t>Animations</a:t>
+            </a:r>
           </a:p>
         </p:txBody>
       </p:sp>
@@ -6586,8 +6585,8 @@
         </p:nvSpPr>
         <p:spPr>
           <a:xfrm rot="2712631">
-            <a:off x="8184444" y="3425560"/>
-            <a:ext cx="1814689" cy="1151467"/>
+            <a:off x="8010414" y="3424187"/>
+            <a:ext cx="2056541" cy="1399998"/>
           </a:xfrm>
           <a:prstGeom prst="flowChartDecision">
             <a:avLst/>
@@ -6921,7 +6920,7 @@
           <p:nvPr>
             <p:extLst>
               <p:ext uri="{D42A27DB-BD31-4B8C-83A1-F6EECF244321}">
-                <p14:modId xmlns:p14="http://schemas.microsoft.com/office/powerpoint/2010/main" val="1425584026"/>
+                <p14:modId xmlns:p14="http://schemas.microsoft.com/office/powerpoint/2010/main" val="2058429643"/>
               </p:ext>
             </p:extLst>
           </p:nvPr>
@@ -6944,7 +6943,7 @@
         </p:nvSpPr>
         <p:spPr>
           <a:xfrm>
-            <a:off x="7063740" y="1405890"/>
+            <a:off x="6780404" y="1137285"/>
             <a:ext cx="1040130" cy="1040130"/>
           </a:xfrm>
           <a:prstGeom prst="smileyFace">
@@ -6999,7 +6998,7 @@
             <a:avLst/>
           </a:prstGeom>
           <a:noFill/>
-          <a:ln w="12700">
+          <a:ln w="19050">
             <a:solidFill>
               <a:schemeClr val="accent1"/>
             </a:solidFill>
@@ -7039,7 +7038,7 @@
           <p:nvPr>
             <p:extLst>
               <p:ext uri="{D42A27DB-BD31-4B8C-83A1-F6EECF244321}">
-                <p14:modId xmlns:p14="http://schemas.microsoft.com/office/powerpoint/2010/main" val="1857870111"/>
+                <p14:modId xmlns:p14="http://schemas.microsoft.com/office/powerpoint/2010/main" val="2734830980"/>
               </p:ext>
             </p:extLst>
           </p:nvPr>
@@ -7258,13 +7257,17 @@
                     <a:p>
                       <a:pPr algn="ctr"/>
                       <a:r>
-                        <a:rPr lang="en-US" dirty="0" smtClean="0"/>
-                        <a:t>csci200</a:t>
+                        <a:rPr lang="en-US" smtClean="0"/>
+                        <a:t>CSCI</a:t>
+                      </a:r>
+                      <a:r>
+                        <a:rPr lang="en-US" sz="1200" smtClean="0"/>
+                        <a:t>200</a:t>
                       </a:r>
                       <a:endParaRPr lang="en-US" dirty="0"/>
                     </a:p>
                   </a:txBody>
-                  <a:tcPr>
+                  <a:tcPr anchor="ctr">
                     <a:lnL w="12700" cap="flat" cmpd="sng" algn="ctr">
                       <a:solidFill>
                         <a:schemeClr val="accent5"/>
@@ -7582,11 +7585,36 @@
           <a:p>
             <a:r>
               <a:rPr lang="en-US" dirty="0">
+                <a:solidFill>
+                  <a:srgbClr val="002060"/>
+                </a:solidFill>
                 <a:hlinkClick r:id="" action="ppaction://hlinkshowjump?jump=firstslide"/>
               </a:rPr>
-              <a:t>go to first slide</a:t>
-            </a:r>
-            <a:endParaRPr lang="en-US" dirty="0"/>
+              <a:t>G</a:t>
+            </a:r>
+            <a:r>
+              <a:rPr lang="en-US" smtClean="0">
+                <a:solidFill>
+                  <a:srgbClr val="002060"/>
+                </a:solidFill>
+                <a:hlinkClick r:id="" action="ppaction://hlinkshowjump?jump=firstslide"/>
+              </a:rPr>
+              <a:t>o </a:t>
+            </a:r>
+            <a:r>
+              <a:rPr lang="en-US" dirty="0">
+                <a:solidFill>
+                  <a:srgbClr val="002060"/>
+                </a:solidFill>
+                <a:hlinkClick r:id="" action="ppaction://hlinkshowjump?jump=firstslide"/>
+              </a:rPr>
+              <a:t>to first slide</a:t>
+            </a:r>
+            <a:endParaRPr lang="en-US" dirty="0">
+              <a:solidFill>
+                <a:srgbClr val="002060"/>
+              </a:solidFill>
+            </a:endParaRPr>
           </a:p>
         </p:txBody>
       </p:sp>
